--- a/Day8-Regression-Graph/Ch08-RegressionAnalysis.pptx
+++ b/Day8-Regression-Graph/Ch08-RegressionAnalysis.pptx
@@ -280,7 +280,7 @@
               <a:rPr lang="en-US" dirty="0">
                 <a:latin typeface="Tahoma" pitchFamily="34" charset="0"/>
               </a:rPr>
-              <a:t>811M: Python for Data Scientists</a:t>
+              <a:t>Python Program</a:t>
             </a:r>
           </a:p>
         </p:txBody>
@@ -802,7 +802,7 @@
                 </a:solidFill>
                 <a:latin typeface="Tahoma" pitchFamily="34" charset="0"/>
               </a:rPr>
-              <a:t>811M: Python for Data Scientists</a:t>
+              <a:t>Python Program</a:t>
             </a:r>
           </a:p>
         </p:txBody>
@@ -6391,7 +6391,7 @@
                 </a:solidFill>
                 <a:latin typeface="Tahoma" charset="0"/>
               </a:rPr>
-              <a:t>© 2019</a:t>
+              <a:t>© 2020</a:t>
             </a:r>
             <a:r>
               <a:rPr lang="en-US" sz="700" b="0" baseline="0" dirty="0">
@@ -6599,7 +6599,7 @@
                 <a:ea typeface="Tahoma" panose="020B0604030504040204" pitchFamily="34" charset="0"/>
                 <a:cs typeface="Tahoma" panose="020B0604030504040204" pitchFamily="34" charset="0"/>
               </a:rPr>
-              <a:t>811M: Python for Data Scientists</a:t>
+              <a:t>Python Program</a:t>
             </a:r>
           </a:p>
         </p:txBody>
@@ -7263,7 +7263,7 @@
           <a:p>
             <a:r>
               <a:rPr lang="en-US" dirty="0"/>
-              <a:t>Python for Data Scientists</a:t>
+              <a:t>Python Program</a:t>
             </a:r>
           </a:p>
         </p:txBody>
@@ -8532,7 +8532,7 @@
           <a:p>
             <a:r>
               <a:rPr lang="en-US" dirty="0"/>
-              <a:t>Chapter Objectives</a:t>
+              <a:t>Chapter Summary</a:t>
             </a:r>
           </a:p>
         </p:txBody>
@@ -11426,12 +11426,6 @@
 </file>
 
 <file path=customXml/item1.xml><?xml version="1.0" encoding="utf-8"?>
-<p:properties xmlns:p="http://schemas.microsoft.com/office/2006/metadata/properties" xmlns:xsi="http://www.w3.org/2001/XMLSchema-instance" xmlns:pc="http://schemas.microsoft.com/office/infopath/2007/PartnerControls">
-  <documentManagement/>
-</p:properties>
-</file>
-
-<file path=customXml/item2.xml><?xml version="1.0" encoding="utf-8"?>
 <ct:contentTypeSchema xmlns:ct="http://schemas.microsoft.com/office/2006/metadata/contentType" xmlns:ma="http://schemas.microsoft.com/office/2006/metadata/properties/metaAttributes" ct:_="" ma:_="" ma:contentTypeName="Document" ma:contentTypeID="0x0101004C58D7A746750E48B9E257CBBD401C71" ma:contentTypeVersion="5" ma:contentTypeDescription="Create a new document." ma:contentTypeScope="" ma:versionID="9b104746e7bcdc89d5c9d8909bc79033">
   <xsd:schema xmlns:xsd="http://www.w3.org/2001/XMLSchema" xmlns:xs="http://www.w3.org/2001/XMLSchema" xmlns:p="http://schemas.microsoft.com/office/2006/metadata/properties" xmlns:ns2="3f1ded34-099e-46dd-b0de-95a90e7e1e5f" targetNamespace="http://schemas.microsoft.com/office/2006/metadata/properties" ma:root="true" ma:fieldsID="39039af933a2d9dca5a96354c4c2b0ed" ns2:_="">
     <xsd:import namespace="3f1ded34-099e-46dd-b0de-95a90e7e1e5f"/>
@@ -11583,6 +11577,12 @@
 </ct:contentTypeSchema>
 </file>
 
+<file path=customXml/item2.xml><?xml version="1.0" encoding="utf-8"?>
+<p:properties xmlns:p="http://schemas.microsoft.com/office/2006/metadata/properties" xmlns:xsi="http://www.w3.org/2001/XMLSchema-instance" xmlns:pc="http://schemas.microsoft.com/office/infopath/2007/PartnerControls">
+  <documentManagement/>
+</p:properties>
+</file>
+
 <file path=customXml/item3.xml><?xml version="1.0" encoding="utf-8"?>
 <?mso-contentType ?>
 <FormTemplates xmlns="http://schemas.microsoft.com/sharepoint/v3/contenttype/forms">
@@ -11593,15 +11593,6 @@
 </file>
 
 <file path=customXml/itemProps1.xml><?xml version="1.0" encoding="utf-8"?>
-<ds:datastoreItem xmlns:ds="http://schemas.openxmlformats.org/officeDocument/2006/customXml" ds:itemID="{F47B9207-CE5C-49AD-B414-15CBFA246D65}">
-  <ds:schemaRefs>
-    <ds:schemaRef ds:uri="http://schemas.microsoft.com/office/2006/metadata/properties"/>
-    <ds:schemaRef ds:uri="http://schemas.microsoft.com/office/infopath/2007/PartnerControls"/>
-  </ds:schemaRefs>
-</ds:datastoreItem>
-</file>
-
-<file path=customXml/itemProps2.xml><?xml version="1.0" encoding="utf-8"?>
 <ds:datastoreItem xmlns:ds="http://schemas.openxmlformats.org/officeDocument/2006/customXml" ds:itemID="{6751EBC6-C433-43E6-8F46-C6D6D677BF51}">
   <ds:schemaRefs>
     <ds:schemaRef ds:uri="http://schemas.microsoft.com/office/2006/metadata/contentType"/>
@@ -11619,6 +11610,15 @@
 </ds:datastoreItem>
 </file>
 
+<file path=customXml/itemProps2.xml><?xml version="1.0" encoding="utf-8"?>
+<ds:datastoreItem xmlns:ds="http://schemas.openxmlformats.org/officeDocument/2006/customXml" ds:itemID="{F47B9207-CE5C-49AD-B414-15CBFA246D65}">
+  <ds:schemaRefs>
+    <ds:schemaRef ds:uri="http://schemas.microsoft.com/office/2006/metadata/properties"/>
+    <ds:schemaRef ds:uri="http://schemas.microsoft.com/office/infopath/2007/PartnerControls"/>
+  </ds:schemaRefs>
+</ds:datastoreItem>
+</file>
+
 <file path=customXml/itemProps3.xml><?xml version="1.0" encoding="utf-8"?>
 <ds:datastoreItem xmlns:ds="http://schemas.openxmlformats.org/officeDocument/2006/customXml" ds:itemID="{2DA015F3-603C-4688-A5F3-81D587DAB8C9}">
   <ds:schemaRefs>

--- a/Day8-Regression-Graph/Ch08-RegressionAnalysis.pptx
+++ b/Day8-Regression-Graph/Ch08-RegressionAnalysis.pptx
@@ -7580,13 +7580,13 @@
           <a:p>
             <a:r>
               <a:rPr lang="en-US" sz="1600" b="1" dirty="0"/>
-              <a:t>print ("Mean squared error: %.2f" % mean_squared_error(testY, predictions))</a:t>
+              <a:t>print("Mean squared error: %.2f" % mean_squared_error(testY, predictions))</a:t>
             </a:r>
           </a:p>
           <a:p>
             <a:r>
               <a:rPr lang="en-US" sz="1600" b="1" dirty="0"/>
-              <a:t>print ('Variance score: %.2f' % r2_score(testY, predictions))</a:t>
+              <a:t>print('Variance score: %.2f' % r2_score(testY, predictions))</a:t>
             </a:r>
             <a:endParaRPr lang="en-US" sz="1600" dirty="0">
               <a:latin typeface="Courier New" charset="0"/>
@@ -7967,7 +7967,7 @@
           <a:p>
             <a:r>
               <a:rPr lang="en-US" dirty="0"/>
-              <a:t>The P factors also identify which features are most significant in influencing the value you are trying to predict</a:t>
+              <a:t>The P-value also identify which features are most significant in influencing the value you are trying to predict, closer to one is better.</a:t>
             </a:r>
           </a:p>
           <a:p>
@@ -9609,13 +9609,13 @@
           <a:p>
             <a:r>
               <a:rPr lang="en-US" sz="1600" b="1" dirty="0"/>
-              <a:t>print (USAhousing.columns)</a:t>
+              <a:t>print(USAhousing.columns)</a:t>
             </a:r>
           </a:p>
           <a:p>
             <a:r>
               <a:rPr lang="en-US" sz="1600" b="1" dirty="0"/>
-              <a:t>print (USAhousing.head())</a:t>
+              <a:t>print(USAhousing.head())</a:t>
             </a:r>
           </a:p>
           <a:p>
@@ -11426,6 +11426,12 @@
 </file>
 
 <file path=customXml/item1.xml><?xml version="1.0" encoding="utf-8"?>
+<p:properties xmlns:p="http://schemas.microsoft.com/office/2006/metadata/properties" xmlns:xsi="http://www.w3.org/2001/XMLSchema-instance" xmlns:pc="http://schemas.microsoft.com/office/infopath/2007/PartnerControls">
+  <documentManagement/>
+</p:properties>
+</file>
+
+<file path=customXml/item2.xml><?xml version="1.0" encoding="utf-8"?>
 <ct:contentTypeSchema xmlns:ct="http://schemas.microsoft.com/office/2006/metadata/contentType" xmlns:ma="http://schemas.microsoft.com/office/2006/metadata/properties/metaAttributes" ct:_="" ma:_="" ma:contentTypeName="Document" ma:contentTypeID="0x0101004C58D7A746750E48B9E257CBBD401C71" ma:contentTypeVersion="5" ma:contentTypeDescription="Create a new document." ma:contentTypeScope="" ma:versionID="9b104746e7bcdc89d5c9d8909bc79033">
   <xsd:schema xmlns:xsd="http://www.w3.org/2001/XMLSchema" xmlns:xs="http://www.w3.org/2001/XMLSchema" xmlns:p="http://schemas.microsoft.com/office/2006/metadata/properties" xmlns:ns2="3f1ded34-099e-46dd-b0de-95a90e7e1e5f" targetNamespace="http://schemas.microsoft.com/office/2006/metadata/properties" ma:root="true" ma:fieldsID="39039af933a2d9dca5a96354c4c2b0ed" ns2:_="">
     <xsd:import namespace="3f1ded34-099e-46dd-b0de-95a90e7e1e5f"/>
@@ -11577,12 +11583,6 @@
 </ct:contentTypeSchema>
 </file>
 
-<file path=customXml/item2.xml><?xml version="1.0" encoding="utf-8"?>
-<p:properties xmlns:p="http://schemas.microsoft.com/office/2006/metadata/properties" xmlns:xsi="http://www.w3.org/2001/XMLSchema-instance" xmlns:pc="http://schemas.microsoft.com/office/infopath/2007/PartnerControls">
-  <documentManagement/>
-</p:properties>
-</file>
-
 <file path=customXml/item3.xml><?xml version="1.0" encoding="utf-8"?>
 <?mso-contentType ?>
 <FormTemplates xmlns="http://schemas.microsoft.com/sharepoint/v3/contenttype/forms">
@@ -11593,6 +11593,15 @@
 </file>
 
 <file path=customXml/itemProps1.xml><?xml version="1.0" encoding="utf-8"?>
+<ds:datastoreItem xmlns:ds="http://schemas.openxmlformats.org/officeDocument/2006/customXml" ds:itemID="{F47B9207-CE5C-49AD-B414-15CBFA246D65}">
+  <ds:schemaRefs>
+    <ds:schemaRef ds:uri="http://schemas.microsoft.com/office/2006/metadata/properties"/>
+    <ds:schemaRef ds:uri="http://schemas.microsoft.com/office/infopath/2007/PartnerControls"/>
+  </ds:schemaRefs>
+</ds:datastoreItem>
+</file>
+
+<file path=customXml/itemProps2.xml><?xml version="1.0" encoding="utf-8"?>
 <ds:datastoreItem xmlns:ds="http://schemas.openxmlformats.org/officeDocument/2006/customXml" ds:itemID="{6751EBC6-C433-43E6-8F46-C6D6D677BF51}">
   <ds:schemaRefs>
     <ds:schemaRef ds:uri="http://schemas.microsoft.com/office/2006/metadata/contentType"/>
@@ -11610,15 +11619,6 @@
 </ds:datastoreItem>
 </file>
 
-<file path=customXml/itemProps2.xml><?xml version="1.0" encoding="utf-8"?>
-<ds:datastoreItem xmlns:ds="http://schemas.openxmlformats.org/officeDocument/2006/customXml" ds:itemID="{F47B9207-CE5C-49AD-B414-15CBFA246D65}">
-  <ds:schemaRefs>
-    <ds:schemaRef ds:uri="http://schemas.microsoft.com/office/2006/metadata/properties"/>
-    <ds:schemaRef ds:uri="http://schemas.microsoft.com/office/infopath/2007/PartnerControls"/>
-  </ds:schemaRefs>
-</ds:datastoreItem>
-</file>
-
 <file path=customXml/itemProps3.xml><?xml version="1.0" encoding="utf-8"?>
 <ds:datastoreItem xmlns:ds="http://schemas.openxmlformats.org/officeDocument/2006/customXml" ds:itemID="{2DA015F3-603C-4688-A5F3-81D587DAB8C9}">
   <ds:schemaRefs>
